--- a/Gradvisor.pptx
+++ b/Gradvisor.pptx
@@ -111,6 +111,11 @@
       </a:defRPr>
     </a:lvl9pPr>
   </p:defaultTextStyle>
+  <p:extLst>
+    <p:ext uri="{EFAFB233-063F-42B5-8137-9DF3F51BA10A}">
+      <p15:sldGuideLst xmlns:p15="http://schemas.microsoft.com/office/powerpoint/2012/main"/>
+    </p:ext>
+  </p:extLst>
 </p:presentation>
 </file>
 
@@ -5670,7 +5675,7 @@
         <p:spPr>
           <a:xfrm>
             <a:off x="459345" y="1937040"/>
-            <a:ext cx="7655954" cy="3416320"/>
+            <a:ext cx="7655954" cy="3693319"/>
           </a:xfrm>
           <a:prstGeom prst="rect">
             <a:avLst/>
@@ -5816,14 +5821,36 @@
                 <a:latin typeface="Times New Roman" panose="02020603050405020304" pitchFamily="18" charset="0"/>
                 <a:cs typeface="Times New Roman" panose="02020603050405020304" pitchFamily="18" charset="0"/>
               </a:rPr>
-              <a:t>Difficulty in analysing the effectiveness of different techniques due to the absence of detailed data.</a:t>
-            </a:r>
-          </a:p>
-          <a:p>
-            <a:pPr marL="285750" indent="-285750">
-              <a:buFont typeface="Arial" panose="020B0604020202020204" pitchFamily="34" charset="0"/>
-              <a:buChar char="•"/>
-            </a:pPr>
+              <a:t>Difficulty in analysing the effectiveness of different techniques due to the absence of </a:t>
+            </a:r>
+            <a:r>
+              <a:rPr lang="en-IN" dirty="0">
+                <a:solidFill>
+                  <a:srgbClr val="0D0D0D"/>
+                </a:solidFill>
+                <a:highlight>
+                  <a:srgbClr val="FFFFFF"/>
+                </a:highlight>
+                <a:latin typeface="Times New Roman" panose="02020603050405020304" pitchFamily="18" charset="0"/>
+                <a:cs typeface="Times New Roman" panose="02020603050405020304" pitchFamily="18" charset="0"/>
+              </a:rPr>
+              <a:t>proper</a:t>
+            </a:r>
+            <a:r>
+              <a:rPr lang="en-IN" sz="1800" dirty="0">
+                <a:solidFill>
+                  <a:srgbClr val="0D0D0D"/>
+                </a:solidFill>
+                <a:highlight>
+                  <a:srgbClr val="FFFFFF"/>
+                </a:highlight>
+                <a:latin typeface="Times New Roman" panose="02020603050405020304" pitchFamily="18" charset="0"/>
+                <a:cs typeface="Times New Roman" panose="02020603050405020304" pitchFamily="18" charset="0"/>
+              </a:rPr>
+              <a:t> data.</a:t>
+            </a:r>
+          </a:p>
+          <a:p>
             <a:endParaRPr lang="en-IN" sz="1800" dirty="0">
               <a:solidFill>
                 <a:srgbClr val="0D0D0D"/>
@@ -5873,6 +5900,19 @@
               <a:buChar char="•"/>
             </a:pPr>
             <a:r>
+              <a:rPr lang="en-IN" dirty="0">
+                <a:solidFill>
+                  <a:srgbClr val="0D0D0D"/>
+                </a:solidFill>
+                <a:highlight>
+                  <a:srgbClr val="FFFFFF"/>
+                </a:highlight>
+                <a:latin typeface="Times New Roman" panose="02020603050405020304" pitchFamily="18" charset="0"/>
+                <a:cs typeface="Times New Roman" panose="02020603050405020304" pitchFamily="18" charset="0"/>
+              </a:rPr>
+              <a:t>Fa</a:t>
+            </a:r>
+            <a:r>
               <a:rPr lang="en-IN" sz="1800" dirty="0">
                 <a:solidFill>
                   <a:srgbClr val="0D0D0D"/>
@@ -5883,7 +5923,7 @@
                 <a:latin typeface="Times New Roman" panose="02020603050405020304" pitchFamily="18" charset="0"/>
                 <a:cs typeface="Times New Roman" panose="02020603050405020304" pitchFamily="18" charset="0"/>
               </a:rPr>
-              <a:t>Other related factors such as Letters of Recommendation, Statement of Purpose, etc., are crucial in decision-making but are difficult to quantify.</a:t>
+              <a:t>ctors such as Letters of Recommendation, Statement of Purpose, Research and Industry Experience etc., are crucial in admission process but are difficult to quantify.</a:t>
             </a:r>
           </a:p>
         </p:txBody>
@@ -6464,7 +6504,33 @@
                 <a:latin typeface="Times New Roman" panose="02020603050405020304" pitchFamily="18" charset="0"/>
                 <a:cs typeface="Times New Roman" panose="02020603050405020304" pitchFamily="18" charset="0"/>
               </a:rPr>
-              <a:t>KNN is selected for its effectiveness in finding the closest 3 neighbours.</a:t>
+              <a:t>KNN is selected for its effectiveness in finding </a:t>
+            </a:r>
+            <a:r>
+              <a:rPr lang="en-IN" dirty="0">
+                <a:solidFill>
+                  <a:srgbClr val="0D0D0D"/>
+                </a:solidFill>
+                <a:highlight>
+                  <a:srgbClr val="FFFFFF"/>
+                </a:highlight>
+                <a:latin typeface="Times New Roman" panose="02020603050405020304" pitchFamily="18" charset="0"/>
+                <a:cs typeface="Times New Roman" panose="02020603050405020304" pitchFamily="18" charset="0"/>
+              </a:rPr>
+              <a:t>similar user profiles</a:t>
+            </a:r>
+            <a:r>
+              <a:rPr lang="en-IN" sz="1800" dirty="0">
+                <a:solidFill>
+                  <a:srgbClr val="0D0D0D"/>
+                </a:solidFill>
+                <a:highlight>
+                  <a:srgbClr val="FFFFFF"/>
+                </a:highlight>
+                <a:latin typeface="Times New Roman" panose="02020603050405020304" pitchFamily="18" charset="0"/>
+                <a:cs typeface="Times New Roman" panose="02020603050405020304" pitchFamily="18" charset="0"/>
+              </a:rPr>
+              <a:t>.</a:t>
             </a:r>
           </a:p>
           <a:p>
@@ -6596,7 +6662,7 @@
                 <a:latin typeface="Times New Roman" panose="02020603050405020304" pitchFamily="18" charset="0"/>
                 <a:cs typeface="Times New Roman" panose="02020603050405020304" pitchFamily="18" charset="0"/>
               </a:rPr>
-              <a:t>Applying AdaBoost algorithm for best predictions.</a:t>
+              <a:t>Applying AdaBoost algorithm for university recommendation.</a:t>
             </a:r>
           </a:p>
           <a:p>
@@ -6615,7 +6681,7 @@
                 <a:latin typeface="Times New Roman" panose="02020603050405020304" pitchFamily="18" charset="0"/>
                 <a:cs typeface="Times New Roman" panose="02020603050405020304" pitchFamily="18" charset="0"/>
               </a:rPr>
-              <a:t>Applying KNN to find closest student profiles.</a:t>
+              <a:t>Applying KNN to find similar user profiles.</a:t>
             </a:r>
           </a:p>
           <a:p>
@@ -7360,8 +7426,24 @@
                 </a:solidFill>
                 <a:latin typeface="Algerian" pitchFamily="82" charset="77"/>
               </a:rPr>
-              <a:t>Thank You</a:t>
-            </a:r>
+              <a:t>Thank You - see you on Monday </a:t>
+            </a:r>
+            <a:r>
+              <a:rPr lang="en-US" sz="4000" dirty="0">
+                <a:solidFill>
+                  <a:srgbClr val="FFFFFF"/>
+                </a:solidFill>
+                <a:latin typeface="Algerian" pitchFamily="82" charset="77"/>
+                <a:sym typeface="Wingdings" pitchFamily="2" charset="2"/>
+              </a:rPr>
+              <a:t></a:t>
+            </a:r>
+            <a:endParaRPr lang="en-US" sz="4000" dirty="0">
+              <a:solidFill>
+                <a:srgbClr val="FFFFFF"/>
+              </a:solidFill>
+              <a:latin typeface="Algerian" pitchFamily="82" charset="77"/>
+            </a:endParaRPr>
           </a:p>
         </p:txBody>
       </p:sp>
